--- a/static/Railcop.pptx
+++ b/static/Railcop.pptx
@@ -2999,8 +2999,8 @@
         </p:blipFill>
         <p:spPr>
           <a:xfrm>
-            <a:off x="4349578" y="1569736"/>
-            <a:ext cx="4794422" cy="2959168"/>
+            <a:off x="4572000" y="1175293"/>
+            <a:ext cx="4572000" cy="2821887"/>
           </a:xfrm>
           <a:prstGeom prst="rect">
             <a:avLst/>
